--- a/ppt 16-9/0357.耶稣永爱我.pptx
+++ b/ppt 16-9/0357.耶稣永爱我.pptx
@@ -129,7 +129,7 @@
           <p:cNvPr id="2" name="标题 1">
             <a:extLst>
               <a:ext uri="{FF2B5EF4-FFF2-40B4-BE49-F238E27FC236}">
-                <a16:creationId xmlns:a16="http://schemas.microsoft.com/office/drawing/2014/main" id="{3EA9F164-3B23-CB9E-1974-BE46DD27A7A0}"/>
+                <a16:creationId xmlns:a16="http://schemas.microsoft.com/office/drawing/2014/main" id="{B5AC599B-B530-46DC-AE5D-CE57885B68A3}"/>
               </a:ext>
             </a:extLst>
           </p:cNvPr>
@@ -166,7 +166,7 @@
           <p:cNvPr id="3" name="副标题 2">
             <a:extLst>
               <a:ext uri="{FF2B5EF4-FFF2-40B4-BE49-F238E27FC236}">
-                <a16:creationId xmlns:a16="http://schemas.microsoft.com/office/drawing/2014/main" id="{237AA47D-4A41-EF79-A960-383A53A40252}"/>
+                <a16:creationId xmlns:a16="http://schemas.microsoft.com/office/drawing/2014/main" id="{EE99B90D-FE81-C631-3261-E4A7E4533970}"/>
               </a:ext>
             </a:extLst>
           </p:cNvPr>
@@ -236,7 +236,7 @@
           <p:cNvPr id="4" name="日期占位符 3">
             <a:extLst>
               <a:ext uri="{FF2B5EF4-FFF2-40B4-BE49-F238E27FC236}">
-                <a16:creationId xmlns:a16="http://schemas.microsoft.com/office/drawing/2014/main" id="{1E0E5F94-F4A8-D4ED-38F4-E2A35D168952}"/>
+                <a16:creationId xmlns:a16="http://schemas.microsoft.com/office/drawing/2014/main" id="{CC008E94-65E6-80B2-7067-AC0FD215C844}"/>
               </a:ext>
             </a:extLst>
           </p:cNvPr>
@@ -252,7 +252,7 @@
           <a:bodyPr/>
           <a:lstStyle/>
           <a:p>
-            <a:fld id="{D912843F-749A-4BF0-A544-7300DF6F68A5}" type="datetimeFigureOut">
+            <a:fld id="{3470BBF0-1F0C-4039-AD0E-8ADD9DFC983A}" type="datetimeFigureOut">
               <a:rPr lang="zh-CN" altLang="en-US" smtClean="0"/>
               <a:t>2024/3/10</a:t>
             </a:fld>
@@ -265,7 +265,7 @@
           <p:cNvPr id="5" name="页脚占位符 4">
             <a:extLst>
               <a:ext uri="{FF2B5EF4-FFF2-40B4-BE49-F238E27FC236}">
-                <a16:creationId xmlns:a16="http://schemas.microsoft.com/office/drawing/2014/main" id="{64F4F757-6342-A576-2EFF-02F1A63BD789}"/>
+                <a16:creationId xmlns:a16="http://schemas.microsoft.com/office/drawing/2014/main" id="{E72AA3BC-A310-D643-7EE8-47B6BF9B2B84}"/>
               </a:ext>
             </a:extLst>
           </p:cNvPr>
@@ -290,7 +290,7 @@
           <p:cNvPr id="6" name="灯片编号占位符 5">
             <a:extLst>
               <a:ext uri="{FF2B5EF4-FFF2-40B4-BE49-F238E27FC236}">
-                <a16:creationId xmlns:a16="http://schemas.microsoft.com/office/drawing/2014/main" id="{FE7AEB1A-0AC3-3616-E444-B5ABCDE6CE6F}"/>
+                <a16:creationId xmlns:a16="http://schemas.microsoft.com/office/drawing/2014/main" id="{225D65F7-EB2E-40A8-017C-823B6F696737}"/>
               </a:ext>
             </a:extLst>
           </p:cNvPr>
@@ -306,7 +306,7 @@
           <a:bodyPr/>
           <a:lstStyle/>
           <a:p>
-            <a:fld id="{32CFFEBB-7FCA-496F-9E99-D6D09C48045B}" type="slidenum">
+            <a:fld id="{FCE137B0-6C06-4661-B354-31B82F6F1278}" type="slidenum">
               <a:rPr lang="zh-CN" altLang="en-US" smtClean="0"/>
               <a:t>‹#›</a:t>
             </a:fld>
@@ -317,7 +317,7 @@
     </p:spTree>
     <p:extLst>
       <p:ext uri="{BB962C8B-B14F-4D97-AF65-F5344CB8AC3E}">
-        <p14:creationId xmlns:p14="http://schemas.microsoft.com/office/powerpoint/2010/main" val="495944688"/>
+        <p14:creationId xmlns:p14="http://schemas.microsoft.com/office/powerpoint/2010/main" val="2245219089"/>
       </p:ext>
     </p:extLst>
   </p:cSld>
@@ -349,7 +349,7 @@
           <p:cNvPr id="2" name="标题 1">
             <a:extLst>
               <a:ext uri="{FF2B5EF4-FFF2-40B4-BE49-F238E27FC236}">
-                <a16:creationId xmlns:a16="http://schemas.microsoft.com/office/drawing/2014/main" id="{430528B1-2298-1164-E702-D01D35CE3680}"/>
+                <a16:creationId xmlns:a16="http://schemas.microsoft.com/office/drawing/2014/main" id="{E566E4A7-23D3-230B-73A8-9DAA415EA2FA}"/>
               </a:ext>
             </a:extLst>
           </p:cNvPr>
@@ -377,7 +377,7 @@
           <p:cNvPr id="3" name="竖排文字占位符 2">
             <a:extLst>
               <a:ext uri="{FF2B5EF4-FFF2-40B4-BE49-F238E27FC236}">
-                <a16:creationId xmlns:a16="http://schemas.microsoft.com/office/drawing/2014/main" id="{92B0C8F9-2B05-E278-22AF-594DAE51F4B3}"/>
+                <a16:creationId xmlns:a16="http://schemas.microsoft.com/office/drawing/2014/main" id="{1EE2E063-6763-8933-16FE-EFC31359A754}"/>
               </a:ext>
             </a:extLst>
           </p:cNvPr>
@@ -434,7 +434,7 @@
           <p:cNvPr id="4" name="日期占位符 3">
             <a:extLst>
               <a:ext uri="{FF2B5EF4-FFF2-40B4-BE49-F238E27FC236}">
-                <a16:creationId xmlns:a16="http://schemas.microsoft.com/office/drawing/2014/main" id="{60D8CBDC-B22F-7C25-84F5-61F17CD50E49}"/>
+                <a16:creationId xmlns:a16="http://schemas.microsoft.com/office/drawing/2014/main" id="{7783724C-6759-F2AC-98A2-CEB9F869B25A}"/>
               </a:ext>
             </a:extLst>
           </p:cNvPr>
@@ -450,7 +450,7 @@
           <a:bodyPr/>
           <a:lstStyle/>
           <a:p>
-            <a:fld id="{D912843F-749A-4BF0-A544-7300DF6F68A5}" type="datetimeFigureOut">
+            <a:fld id="{3470BBF0-1F0C-4039-AD0E-8ADD9DFC983A}" type="datetimeFigureOut">
               <a:rPr lang="zh-CN" altLang="en-US" smtClean="0"/>
               <a:t>2024/3/10</a:t>
             </a:fld>
@@ -463,7 +463,7 @@
           <p:cNvPr id="5" name="页脚占位符 4">
             <a:extLst>
               <a:ext uri="{FF2B5EF4-FFF2-40B4-BE49-F238E27FC236}">
-                <a16:creationId xmlns:a16="http://schemas.microsoft.com/office/drawing/2014/main" id="{8C287A30-7D35-9F67-77F0-11A0856729ED}"/>
+                <a16:creationId xmlns:a16="http://schemas.microsoft.com/office/drawing/2014/main" id="{71E46049-60E4-5070-2430-7CE2B4FEA190}"/>
               </a:ext>
             </a:extLst>
           </p:cNvPr>
@@ -488,7 +488,7 @@
           <p:cNvPr id="6" name="灯片编号占位符 5">
             <a:extLst>
               <a:ext uri="{FF2B5EF4-FFF2-40B4-BE49-F238E27FC236}">
-                <a16:creationId xmlns:a16="http://schemas.microsoft.com/office/drawing/2014/main" id="{C5E6127B-584F-BD81-82BC-0C223FD8198A}"/>
+                <a16:creationId xmlns:a16="http://schemas.microsoft.com/office/drawing/2014/main" id="{D6CF0DC0-FABC-9ABF-D319-27E14ABAD4A5}"/>
               </a:ext>
             </a:extLst>
           </p:cNvPr>
@@ -504,7 +504,7 @@
           <a:bodyPr/>
           <a:lstStyle/>
           <a:p>
-            <a:fld id="{32CFFEBB-7FCA-496F-9E99-D6D09C48045B}" type="slidenum">
+            <a:fld id="{FCE137B0-6C06-4661-B354-31B82F6F1278}" type="slidenum">
               <a:rPr lang="zh-CN" altLang="en-US" smtClean="0"/>
               <a:t>‹#›</a:t>
             </a:fld>
@@ -515,7 +515,7 @@
     </p:spTree>
     <p:extLst>
       <p:ext uri="{BB962C8B-B14F-4D97-AF65-F5344CB8AC3E}">
-        <p14:creationId xmlns:p14="http://schemas.microsoft.com/office/powerpoint/2010/main" val="130218180"/>
+        <p14:creationId xmlns:p14="http://schemas.microsoft.com/office/powerpoint/2010/main" val="906964581"/>
       </p:ext>
     </p:extLst>
   </p:cSld>
@@ -547,7 +547,7 @@
           <p:cNvPr id="2" name="竖排标题 1">
             <a:extLst>
               <a:ext uri="{FF2B5EF4-FFF2-40B4-BE49-F238E27FC236}">
-                <a16:creationId xmlns:a16="http://schemas.microsoft.com/office/drawing/2014/main" id="{30E1444F-6615-4CC3-0798-5FF2F7AFAA1C}"/>
+                <a16:creationId xmlns:a16="http://schemas.microsoft.com/office/drawing/2014/main" id="{CF94BA84-09CF-2A14-873D-EFA73B135F95}"/>
               </a:ext>
             </a:extLst>
           </p:cNvPr>
@@ -580,7 +580,7 @@
           <p:cNvPr id="3" name="竖排文字占位符 2">
             <a:extLst>
               <a:ext uri="{FF2B5EF4-FFF2-40B4-BE49-F238E27FC236}">
-                <a16:creationId xmlns:a16="http://schemas.microsoft.com/office/drawing/2014/main" id="{1811981F-7285-C14E-DEDC-4488412EC843}"/>
+                <a16:creationId xmlns:a16="http://schemas.microsoft.com/office/drawing/2014/main" id="{37DEB934-3525-B555-158A-02238EC99644}"/>
               </a:ext>
             </a:extLst>
           </p:cNvPr>
@@ -642,7 +642,7 @@
           <p:cNvPr id="4" name="日期占位符 3">
             <a:extLst>
               <a:ext uri="{FF2B5EF4-FFF2-40B4-BE49-F238E27FC236}">
-                <a16:creationId xmlns:a16="http://schemas.microsoft.com/office/drawing/2014/main" id="{7E92AAFA-D758-D399-04AD-59B7C7E3B55A}"/>
+                <a16:creationId xmlns:a16="http://schemas.microsoft.com/office/drawing/2014/main" id="{E1354DC0-FFEE-F25C-A6DE-70836D95B0B3}"/>
               </a:ext>
             </a:extLst>
           </p:cNvPr>
@@ -658,7 +658,7 @@
           <a:bodyPr/>
           <a:lstStyle/>
           <a:p>
-            <a:fld id="{D912843F-749A-4BF0-A544-7300DF6F68A5}" type="datetimeFigureOut">
+            <a:fld id="{3470BBF0-1F0C-4039-AD0E-8ADD9DFC983A}" type="datetimeFigureOut">
               <a:rPr lang="zh-CN" altLang="en-US" smtClean="0"/>
               <a:t>2024/3/10</a:t>
             </a:fld>
@@ -671,7 +671,7 @@
           <p:cNvPr id="5" name="页脚占位符 4">
             <a:extLst>
               <a:ext uri="{FF2B5EF4-FFF2-40B4-BE49-F238E27FC236}">
-                <a16:creationId xmlns:a16="http://schemas.microsoft.com/office/drawing/2014/main" id="{9A4795CF-9A20-30F7-9151-3C4C5FE0A922}"/>
+                <a16:creationId xmlns:a16="http://schemas.microsoft.com/office/drawing/2014/main" id="{82A1F93F-3694-AD37-D6B1-720ED7715C6F}"/>
               </a:ext>
             </a:extLst>
           </p:cNvPr>
@@ -696,7 +696,7 @@
           <p:cNvPr id="6" name="灯片编号占位符 5">
             <a:extLst>
               <a:ext uri="{FF2B5EF4-FFF2-40B4-BE49-F238E27FC236}">
-                <a16:creationId xmlns:a16="http://schemas.microsoft.com/office/drawing/2014/main" id="{3471A09E-C5D8-09DB-DA7D-04047B060813}"/>
+                <a16:creationId xmlns:a16="http://schemas.microsoft.com/office/drawing/2014/main" id="{43E9A58F-38BC-8E7A-0CE7-A600B4E68729}"/>
               </a:ext>
             </a:extLst>
           </p:cNvPr>
@@ -712,7 +712,7 @@
           <a:bodyPr/>
           <a:lstStyle/>
           <a:p>
-            <a:fld id="{32CFFEBB-7FCA-496F-9E99-D6D09C48045B}" type="slidenum">
+            <a:fld id="{FCE137B0-6C06-4661-B354-31B82F6F1278}" type="slidenum">
               <a:rPr lang="zh-CN" altLang="en-US" smtClean="0"/>
               <a:t>‹#›</a:t>
             </a:fld>
@@ -723,7 +723,7 @@
     </p:spTree>
     <p:extLst>
       <p:ext uri="{BB962C8B-B14F-4D97-AF65-F5344CB8AC3E}">
-        <p14:creationId xmlns:p14="http://schemas.microsoft.com/office/powerpoint/2010/main" val="2535297643"/>
+        <p14:creationId xmlns:p14="http://schemas.microsoft.com/office/powerpoint/2010/main" val="2564934651"/>
       </p:ext>
     </p:extLst>
   </p:cSld>
@@ -755,7 +755,7 @@
           <p:cNvPr id="2" name="标题 1">
             <a:extLst>
               <a:ext uri="{FF2B5EF4-FFF2-40B4-BE49-F238E27FC236}">
-                <a16:creationId xmlns:a16="http://schemas.microsoft.com/office/drawing/2014/main" id="{60E89894-D155-624A-E3E1-DE56496A0E20}"/>
+                <a16:creationId xmlns:a16="http://schemas.microsoft.com/office/drawing/2014/main" id="{12CC97A0-87AA-245A-A10A-627FAEBA510F}"/>
               </a:ext>
             </a:extLst>
           </p:cNvPr>
@@ -783,7 +783,7 @@
           <p:cNvPr id="3" name="内容占位符 2">
             <a:extLst>
               <a:ext uri="{FF2B5EF4-FFF2-40B4-BE49-F238E27FC236}">
-                <a16:creationId xmlns:a16="http://schemas.microsoft.com/office/drawing/2014/main" id="{7008B604-E3ED-96DB-7576-0F8FDBBC19E7}"/>
+                <a16:creationId xmlns:a16="http://schemas.microsoft.com/office/drawing/2014/main" id="{EBAB42AA-F3BF-2C98-99F4-A36C564528F7}"/>
               </a:ext>
             </a:extLst>
           </p:cNvPr>
@@ -840,7 +840,7 @@
           <p:cNvPr id="4" name="日期占位符 3">
             <a:extLst>
               <a:ext uri="{FF2B5EF4-FFF2-40B4-BE49-F238E27FC236}">
-                <a16:creationId xmlns:a16="http://schemas.microsoft.com/office/drawing/2014/main" id="{3577312C-3A25-9533-4434-116FEFA6574A}"/>
+                <a16:creationId xmlns:a16="http://schemas.microsoft.com/office/drawing/2014/main" id="{12F9EE56-3CB2-53F2-D5CD-7AFBDF3C6CD0}"/>
               </a:ext>
             </a:extLst>
           </p:cNvPr>
@@ -856,7 +856,7 @@
           <a:bodyPr/>
           <a:lstStyle/>
           <a:p>
-            <a:fld id="{D912843F-749A-4BF0-A544-7300DF6F68A5}" type="datetimeFigureOut">
+            <a:fld id="{3470BBF0-1F0C-4039-AD0E-8ADD9DFC983A}" type="datetimeFigureOut">
               <a:rPr lang="zh-CN" altLang="en-US" smtClean="0"/>
               <a:t>2024/3/10</a:t>
             </a:fld>
@@ -869,7 +869,7 @@
           <p:cNvPr id="5" name="页脚占位符 4">
             <a:extLst>
               <a:ext uri="{FF2B5EF4-FFF2-40B4-BE49-F238E27FC236}">
-                <a16:creationId xmlns:a16="http://schemas.microsoft.com/office/drawing/2014/main" id="{1503C4A8-0B88-53AE-7EF6-F1AC7A4B2DA7}"/>
+                <a16:creationId xmlns:a16="http://schemas.microsoft.com/office/drawing/2014/main" id="{88BEE0A1-BE48-1CA7-B325-4D45F4A2AE97}"/>
               </a:ext>
             </a:extLst>
           </p:cNvPr>
@@ -894,7 +894,7 @@
           <p:cNvPr id="6" name="灯片编号占位符 5">
             <a:extLst>
               <a:ext uri="{FF2B5EF4-FFF2-40B4-BE49-F238E27FC236}">
-                <a16:creationId xmlns:a16="http://schemas.microsoft.com/office/drawing/2014/main" id="{DDAF60BB-45E2-B08C-EBB5-C1191F2A6852}"/>
+                <a16:creationId xmlns:a16="http://schemas.microsoft.com/office/drawing/2014/main" id="{2D0A3B30-02FD-1537-A1C4-73B057CB6AD2}"/>
               </a:ext>
             </a:extLst>
           </p:cNvPr>
@@ -910,7 +910,7 @@
           <a:bodyPr/>
           <a:lstStyle/>
           <a:p>
-            <a:fld id="{32CFFEBB-7FCA-496F-9E99-D6D09C48045B}" type="slidenum">
+            <a:fld id="{FCE137B0-6C06-4661-B354-31B82F6F1278}" type="slidenum">
               <a:rPr lang="zh-CN" altLang="en-US" smtClean="0"/>
               <a:t>‹#›</a:t>
             </a:fld>
@@ -921,7 +921,7 @@
     </p:spTree>
     <p:extLst>
       <p:ext uri="{BB962C8B-B14F-4D97-AF65-F5344CB8AC3E}">
-        <p14:creationId xmlns:p14="http://schemas.microsoft.com/office/powerpoint/2010/main" val="4195158817"/>
+        <p14:creationId xmlns:p14="http://schemas.microsoft.com/office/powerpoint/2010/main" val="3869622079"/>
       </p:ext>
     </p:extLst>
   </p:cSld>
@@ -953,7 +953,7 @@
           <p:cNvPr id="2" name="标题 1">
             <a:extLst>
               <a:ext uri="{FF2B5EF4-FFF2-40B4-BE49-F238E27FC236}">
-                <a16:creationId xmlns:a16="http://schemas.microsoft.com/office/drawing/2014/main" id="{BF14EA5A-358B-BA8B-0E5A-BA57DFC2DA64}"/>
+                <a16:creationId xmlns:a16="http://schemas.microsoft.com/office/drawing/2014/main" id="{DA9A3C20-88BA-5B0A-8DCB-548514E45BF1}"/>
               </a:ext>
             </a:extLst>
           </p:cNvPr>
@@ -990,7 +990,7 @@
           <p:cNvPr id="3" name="文本占位符 2">
             <a:extLst>
               <a:ext uri="{FF2B5EF4-FFF2-40B4-BE49-F238E27FC236}">
-                <a16:creationId xmlns:a16="http://schemas.microsoft.com/office/drawing/2014/main" id="{01F217CF-D852-1243-B95E-C450E258F52F}"/>
+                <a16:creationId xmlns:a16="http://schemas.microsoft.com/office/drawing/2014/main" id="{440B9362-01EE-FBC7-45A5-20CE3F745222}"/>
               </a:ext>
             </a:extLst>
           </p:cNvPr>
@@ -1115,7 +1115,7 @@
           <p:cNvPr id="4" name="日期占位符 3">
             <a:extLst>
               <a:ext uri="{FF2B5EF4-FFF2-40B4-BE49-F238E27FC236}">
-                <a16:creationId xmlns:a16="http://schemas.microsoft.com/office/drawing/2014/main" id="{A8CB0A57-DF49-CB70-EDC5-BB854547CF94}"/>
+                <a16:creationId xmlns:a16="http://schemas.microsoft.com/office/drawing/2014/main" id="{4F7FB238-542C-3F92-12C9-D16664D34604}"/>
               </a:ext>
             </a:extLst>
           </p:cNvPr>
@@ -1131,7 +1131,7 @@
           <a:bodyPr/>
           <a:lstStyle/>
           <a:p>
-            <a:fld id="{D912843F-749A-4BF0-A544-7300DF6F68A5}" type="datetimeFigureOut">
+            <a:fld id="{3470BBF0-1F0C-4039-AD0E-8ADD9DFC983A}" type="datetimeFigureOut">
               <a:rPr lang="zh-CN" altLang="en-US" smtClean="0"/>
               <a:t>2024/3/10</a:t>
             </a:fld>
@@ -1144,7 +1144,7 @@
           <p:cNvPr id="5" name="页脚占位符 4">
             <a:extLst>
               <a:ext uri="{FF2B5EF4-FFF2-40B4-BE49-F238E27FC236}">
-                <a16:creationId xmlns:a16="http://schemas.microsoft.com/office/drawing/2014/main" id="{5DDDCB57-BDC3-A5A9-E860-D1DE2F88D8EE}"/>
+                <a16:creationId xmlns:a16="http://schemas.microsoft.com/office/drawing/2014/main" id="{300CBC1F-9355-4A91-66DC-1BC424CDFFB4}"/>
               </a:ext>
             </a:extLst>
           </p:cNvPr>
@@ -1169,7 +1169,7 @@
           <p:cNvPr id="6" name="灯片编号占位符 5">
             <a:extLst>
               <a:ext uri="{FF2B5EF4-FFF2-40B4-BE49-F238E27FC236}">
-                <a16:creationId xmlns:a16="http://schemas.microsoft.com/office/drawing/2014/main" id="{D0267889-775F-4FFC-5DAA-5CDF0976C61E}"/>
+                <a16:creationId xmlns:a16="http://schemas.microsoft.com/office/drawing/2014/main" id="{E5B6DF41-725F-39A8-D200-0D1F2D4D2076}"/>
               </a:ext>
             </a:extLst>
           </p:cNvPr>
@@ -1185,7 +1185,7 @@
           <a:bodyPr/>
           <a:lstStyle/>
           <a:p>
-            <a:fld id="{32CFFEBB-7FCA-496F-9E99-D6D09C48045B}" type="slidenum">
+            <a:fld id="{FCE137B0-6C06-4661-B354-31B82F6F1278}" type="slidenum">
               <a:rPr lang="zh-CN" altLang="en-US" smtClean="0"/>
               <a:t>‹#›</a:t>
             </a:fld>
@@ -1196,7 +1196,7 @@
     </p:spTree>
     <p:extLst>
       <p:ext uri="{BB962C8B-B14F-4D97-AF65-F5344CB8AC3E}">
-        <p14:creationId xmlns:p14="http://schemas.microsoft.com/office/powerpoint/2010/main" val="3778944172"/>
+        <p14:creationId xmlns:p14="http://schemas.microsoft.com/office/powerpoint/2010/main" val="413712585"/>
       </p:ext>
     </p:extLst>
   </p:cSld>
@@ -1228,7 +1228,7 @@
           <p:cNvPr id="2" name="标题 1">
             <a:extLst>
               <a:ext uri="{FF2B5EF4-FFF2-40B4-BE49-F238E27FC236}">
-                <a16:creationId xmlns:a16="http://schemas.microsoft.com/office/drawing/2014/main" id="{4E2486B9-922A-6C6E-7F58-9E0C5CC118CA}"/>
+                <a16:creationId xmlns:a16="http://schemas.microsoft.com/office/drawing/2014/main" id="{AA157C76-7A49-AA92-D864-24D72AB15250}"/>
               </a:ext>
             </a:extLst>
           </p:cNvPr>
@@ -1256,7 +1256,7 @@
           <p:cNvPr id="3" name="内容占位符 2">
             <a:extLst>
               <a:ext uri="{FF2B5EF4-FFF2-40B4-BE49-F238E27FC236}">
-                <a16:creationId xmlns:a16="http://schemas.microsoft.com/office/drawing/2014/main" id="{418FABBB-CC36-9F29-003D-C28AF0C4ABB0}"/>
+                <a16:creationId xmlns:a16="http://schemas.microsoft.com/office/drawing/2014/main" id="{428CB487-196C-151F-0112-925AC0EB4445}"/>
               </a:ext>
             </a:extLst>
           </p:cNvPr>
@@ -1318,7 +1318,7 @@
           <p:cNvPr id="4" name="内容占位符 3">
             <a:extLst>
               <a:ext uri="{FF2B5EF4-FFF2-40B4-BE49-F238E27FC236}">
-                <a16:creationId xmlns:a16="http://schemas.microsoft.com/office/drawing/2014/main" id="{8AC7CBB6-3234-C97B-95EE-047B0C23661E}"/>
+                <a16:creationId xmlns:a16="http://schemas.microsoft.com/office/drawing/2014/main" id="{3B214400-80D9-DEFA-0CE7-68F9F439F5EE}"/>
               </a:ext>
             </a:extLst>
           </p:cNvPr>
@@ -1380,7 +1380,7 @@
           <p:cNvPr id="5" name="日期占位符 4">
             <a:extLst>
               <a:ext uri="{FF2B5EF4-FFF2-40B4-BE49-F238E27FC236}">
-                <a16:creationId xmlns:a16="http://schemas.microsoft.com/office/drawing/2014/main" id="{C03155B4-7BC8-F675-6DC5-AF0EE6408962}"/>
+                <a16:creationId xmlns:a16="http://schemas.microsoft.com/office/drawing/2014/main" id="{47367DF5-2FF4-88FE-0803-BB3973753682}"/>
               </a:ext>
             </a:extLst>
           </p:cNvPr>
@@ -1396,7 +1396,7 @@
           <a:bodyPr/>
           <a:lstStyle/>
           <a:p>
-            <a:fld id="{D912843F-749A-4BF0-A544-7300DF6F68A5}" type="datetimeFigureOut">
+            <a:fld id="{3470BBF0-1F0C-4039-AD0E-8ADD9DFC983A}" type="datetimeFigureOut">
               <a:rPr lang="zh-CN" altLang="en-US" smtClean="0"/>
               <a:t>2024/3/10</a:t>
             </a:fld>
@@ -1409,7 +1409,7 @@
           <p:cNvPr id="6" name="页脚占位符 5">
             <a:extLst>
               <a:ext uri="{FF2B5EF4-FFF2-40B4-BE49-F238E27FC236}">
-                <a16:creationId xmlns:a16="http://schemas.microsoft.com/office/drawing/2014/main" id="{377626D4-7BDA-987D-EFAE-1D0E8AC7907F}"/>
+                <a16:creationId xmlns:a16="http://schemas.microsoft.com/office/drawing/2014/main" id="{1FC97D23-7EAA-01DB-705D-857C72D2D636}"/>
               </a:ext>
             </a:extLst>
           </p:cNvPr>
@@ -1434,7 +1434,7 @@
           <p:cNvPr id="7" name="灯片编号占位符 6">
             <a:extLst>
               <a:ext uri="{FF2B5EF4-FFF2-40B4-BE49-F238E27FC236}">
-                <a16:creationId xmlns:a16="http://schemas.microsoft.com/office/drawing/2014/main" id="{171F1EAB-C348-4A8C-A286-3F8A49831DB1}"/>
+                <a16:creationId xmlns:a16="http://schemas.microsoft.com/office/drawing/2014/main" id="{2D693E35-66DF-DF89-4907-957E4808FF35}"/>
               </a:ext>
             </a:extLst>
           </p:cNvPr>
@@ -1450,7 +1450,7 @@
           <a:bodyPr/>
           <a:lstStyle/>
           <a:p>
-            <a:fld id="{32CFFEBB-7FCA-496F-9E99-D6D09C48045B}" type="slidenum">
+            <a:fld id="{FCE137B0-6C06-4661-B354-31B82F6F1278}" type="slidenum">
               <a:rPr lang="zh-CN" altLang="en-US" smtClean="0"/>
               <a:t>‹#›</a:t>
             </a:fld>
@@ -1461,7 +1461,7 @@
     </p:spTree>
     <p:extLst>
       <p:ext uri="{BB962C8B-B14F-4D97-AF65-F5344CB8AC3E}">
-        <p14:creationId xmlns:p14="http://schemas.microsoft.com/office/powerpoint/2010/main" val="4241491685"/>
+        <p14:creationId xmlns:p14="http://schemas.microsoft.com/office/powerpoint/2010/main" val="3905490670"/>
       </p:ext>
     </p:extLst>
   </p:cSld>
@@ -1493,7 +1493,7 @@
           <p:cNvPr id="2" name="标题 1">
             <a:extLst>
               <a:ext uri="{FF2B5EF4-FFF2-40B4-BE49-F238E27FC236}">
-                <a16:creationId xmlns:a16="http://schemas.microsoft.com/office/drawing/2014/main" id="{89357669-7BD1-FB64-9250-8F02981504EC}"/>
+                <a16:creationId xmlns:a16="http://schemas.microsoft.com/office/drawing/2014/main" id="{14382798-C363-1D35-AAF7-6B40FF8FDA32}"/>
               </a:ext>
             </a:extLst>
           </p:cNvPr>
@@ -1526,7 +1526,7 @@
           <p:cNvPr id="3" name="文本占位符 2">
             <a:extLst>
               <a:ext uri="{FF2B5EF4-FFF2-40B4-BE49-F238E27FC236}">
-                <a16:creationId xmlns:a16="http://schemas.microsoft.com/office/drawing/2014/main" id="{69E009F1-F143-38A6-0A55-E3D8B64ED939}"/>
+                <a16:creationId xmlns:a16="http://schemas.microsoft.com/office/drawing/2014/main" id="{B64D471F-9E3E-09F1-CF5D-30EF3FF8697B}"/>
               </a:ext>
             </a:extLst>
           </p:cNvPr>
@@ -1597,7 +1597,7 @@
           <p:cNvPr id="4" name="内容占位符 3">
             <a:extLst>
               <a:ext uri="{FF2B5EF4-FFF2-40B4-BE49-F238E27FC236}">
-                <a16:creationId xmlns:a16="http://schemas.microsoft.com/office/drawing/2014/main" id="{AF9CB9CC-DE6E-0FC5-7BB3-70DBE74E64C0}"/>
+                <a16:creationId xmlns:a16="http://schemas.microsoft.com/office/drawing/2014/main" id="{9ADDF134-81CA-E906-DD74-5BB760DA711D}"/>
               </a:ext>
             </a:extLst>
           </p:cNvPr>
@@ -1659,7 +1659,7 @@
           <p:cNvPr id="5" name="文本占位符 4">
             <a:extLst>
               <a:ext uri="{FF2B5EF4-FFF2-40B4-BE49-F238E27FC236}">
-                <a16:creationId xmlns:a16="http://schemas.microsoft.com/office/drawing/2014/main" id="{63E6E67E-2801-F9F8-3D10-88AD821B6624}"/>
+                <a16:creationId xmlns:a16="http://schemas.microsoft.com/office/drawing/2014/main" id="{BBD0C3D3-914B-B39C-1B0E-CE73B4DD71B7}"/>
               </a:ext>
             </a:extLst>
           </p:cNvPr>
@@ -1730,7 +1730,7 @@
           <p:cNvPr id="6" name="内容占位符 5">
             <a:extLst>
               <a:ext uri="{FF2B5EF4-FFF2-40B4-BE49-F238E27FC236}">
-                <a16:creationId xmlns:a16="http://schemas.microsoft.com/office/drawing/2014/main" id="{2B84B662-0F61-1DB2-7279-D22D47CD482D}"/>
+                <a16:creationId xmlns:a16="http://schemas.microsoft.com/office/drawing/2014/main" id="{8C3570F6-7AB4-BC30-1DA6-9A97AA00DC72}"/>
               </a:ext>
             </a:extLst>
           </p:cNvPr>
@@ -1792,7 +1792,7 @@
           <p:cNvPr id="7" name="日期占位符 6">
             <a:extLst>
               <a:ext uri="{FF2B5EF4-FFF2-40B4-BE49-F238E27FC236}">
-                <a16:creationId xmlns:a16="http://schemas.microsoft.com/office/drawing/2014/main" id="{58E4DC43-E393-B222-BD98-5716B3737EE6}"/>
+                <a16:creationId xmlns:a16="http://schemas.microsoft.com/office/drawing/2014/main" id="{51B4528B-DFFC-CD5F-CA9E-CD8F5A133145}"/>
               </a:ext>
             </a:extLst>
           </p:cNvPr>
@@ -1808,7 +1808,7 @@
           <a:bodyPr/>
           <a:lstStyle/>
           <a:p>
-            <a:fld id="{D912843F-749A-4BF0-A544-7300DF6F68A5}" type="datetimeFigureOut">
+            <a:fld id="{3470BBF0-1F0C-4039-AD0E-8ADD9DFC983A}" type="datetimeFigureOut">
               <a:rPr lang="zh-CN" altLang="en-US" smtClean="0"/>
               <a:t>2024/3/10</a:t>
             </a:fld>
@@ -1821,7 +1821,7 @@
           <p:cNvPr id="8" name="页脚占位符 7">
             <a:extLst>
               <a:ext uri="{FF2B5EF4-FFF2-40B4-BE49-F238E27FC236}">
-                <a16:creationId xmlns:a16="http://schemas.microsoft.com/office/drawing/2014/main" id="{6B60DEB3-5E37-CC7C-A507-B8DB53544BF5}"/>
+                <a16:creationId xmlns:a16="http://schemas.microsoft.com/office/drawing/2014/main" id="{326CAA25-34EA-CED5-78D4-A6C47723456B}"/>
               </a:ext>
             </a:extLst>
           </p:cNvPr>
@@ -1846,7 +1846,7 @@
           <p:cNvPr id="9" name="灯片编号占位符 8">
             <a:extLst>
               <a:ext uri="{FF2B5EF4-FFF2-40B4-BE49-F238E27FC236}">
-                <a16:creationId xmlns:a16="http://schemas.microsoft.com/office/drawing/2014/main" id="{CB0D8071-5FA5-6263-5BA0-2D8C4B6CB87B}"/>
+                <a16:creationId xmlns:a16="http://schemas.microsoft.com/office/drawing/2014/main" id="{7275C60B-C8F0-9D0C-C1B4-F3B084676FA4}"/>
               </a:ext>
             </a:extLst>
           </p:cNvPr>
@@ -1862,7 +1862,7 @@
           <a:bodyPr/>
           <a:lstStyle/>
           <a:p>
-            <a:fld id="{32CFFEBB-7FCA-496F-9E99-D6D09C48045B}" type="slidenum">
+            <a:fld id="{FCE137B0-6C06-4661-B354-31B82F6F1278}" type="slidenum">
               <a:rPr lang="zh-CN" altLang="en-US" smtClean="0"/>
               <a:t>‹#›</a:t>
             </a:fld>
@@ -1873,7 +1873,7 @@
     </p:spTree>
     <p:extLst>
       <p:ext uri="{BB962C8B-B14F-4D97-AF65-F5344CB8AC3E}">
-        <p14:creationId xmlns:p14="http://schemas.microsoft.com/office/powerpoint/2010/main" val="3180940070"/>
+        <p14:creationId xmlns:p14="http://schemas.microsoft.com/office/powerpoint/2010/main" val="2231452749"/>
       </p:ext>
     </p:extLst>
   </p:cSld>
@@ -1905,7 +1905,7 @@
           <p:cNvPr id="2" name="标题 1">
             <a:extLst>
               <a:ext uri="{FF2B5EF4-FFF2-40B4-BE49-F238E27FC236}">
-                <a16:creationId xmlns:a16="http://schemas.microsoft.com/office/drawing/2014/main" id="{729FC982-19A0-3E01-FCF7-560D05C74B75}"/>
+                <a16:creationId xmlns:a16="http://schemas.microsoft.com/office/drawing/2014/main" id="{476780D2-853D-D921-7B2F-D4716F32D312}"/>
               </a:ext>
             </a:extLst>
           </p:cNvPr>
@@ -1933,7 +1933,7 @@
           <p:cNvPr id="3" name="日期占位符 2">
             <a:extLst>
               <a:ext uri="{FF2B5EF4-FFF2-40B4-BE49-F238E27FC236}">
-                <a16:creationId xmlns:a16="http://schemas.microsoft.com/office/drawing/2014/main" id="{1C564516-A38F-BB1A-9146-1387E222D93E}"/>
+                <a16:creationId xmlns:a16="http://schemas.microsoft.com/office/drawing/2014/main" id="{B8D791F2-DA97-0243-DE03-F460D58A9790}"/>
               </a:ext>
             </a:extLst>
           </p:cNvPr>
@@ -1949,7 +1949,7 @@
           <a:bodyPr/>
           <a:lstStyle/>
           <a:p>
-            <a:fld id="{D912843F-749A-4BF0-A544-7300DF6F68A5}" type="datetimeFigureOut">
+            <a:fld id="{3470BBF0-1F0C-4039-AD0E-8ADD9DFC983A}" type="datetimeFigureOut">
               <a:rPr lang="zh-CN" altLang="en-US" smtClean="0"/>
               <a:t>2024/3/10</a:t>
             </a:fld>
@@ -1962,7 +1962,7 @@
           <p:cNvPr id="4" name="页脚占位符 3">
             <a:extLst>
               <a:ext uri="{FF2B5EF4-FFF2-40B4-BE49-F238E27FC236}">
-                <a16:creationId xmlns:a16="http://schemas.microsoft.com/office/drawing/2014/main" id="{E6A37863-30B3-1161-3F0E-84D3EF3A6314}"/>
+                <a16:creationId xmlns:a16="http://schemas.microsoft.com/office/drawing/2014/main" id="{1543A4D3-AD47-8D5E-C4A2-C4A9F8FC03FA}"/>
               </a:ext>
             </a:extLst>
           </p:cNvPr>
@@ -1987,7 +1987,7 @@
           <p:cNvPr id="5" name="灯片编号占位符 4">
             <a:extLst>
               <a:ext uri="{FF2B5EF4-FFF2-40B4-BE49-F238E27FC236}">
-                <a16:creationId xmlns:a16="http://schemas.microsoft.com/office/drawing/2014/main" id="{DF10C893-6966-D7FC-9A6D-ED1DDF524B4A}"/>
+                <a16:creationId xmlns:a16="http://schemas.microsoft.com/office/drawing/2014/main" id="{7F25F8E4-708E-6B43-716D-F6573EE0ED70}"/>
               </a:ext>
             </a:extLst>
           </p:cNvPr>
@@ -2003,7 +2003,7 @@
           <a:bodyPr/>
           <a:lstStyle/>
           <a:p>
-            <a:fld id="{32CFFEBB-7FCA-496F-9E99-D6D09C48045B}" type="slidenum">
+            <a:fld id="{FCE137B0-6C06-4661-B354-31B82F6F1278}" type="slidenum">
               <a:rPr lang="zh-CN" altLang="en-US" smtClean="0"/>
               <a:t>‹#›</a:t>
             </a:fld>
@@ -2014,7 +2014,7 @@
     </p:spTree>
     <p:extLst>
       <p:ext uri="{BB962C8B-B14F-4D97-AF65-F5344CB8AC3E}">
-        <p14:creationId xmlns:p14="http://schemas.microsoft.com/office/powerpoint/2010/main" val="3682822882"/>
+        <p14:creationId xmlns:p14="http://schemas.microsoft.com/office/powerpoint/2010/main" val="4177531229"/>
       </p:ext>
     </p:extLst>
   </p:cSld>
@@ -2046,7 +2046,7 @@
           <p:cNvPr id="2" name="日期占位符 1">
             <a:extLst>
               <a:ext uri="{FF2B5EF4-FFF2-40B4-BE49-F238E27FC236}">
-                <a16:creationId xmlns:a16="http://schemas.microsoft.com/office/drawing/2014/main" id="{CC433FF3-E49E-A9FF-3051-FE629D55CF02}"/>
+                <a16:creationId xmlns:a16="http://schemas.microsoft.com/office/drawing/2014/main" id="{499BD4BD-603A-DC89-AB2A-E26A46A51BB5}"/>
               </a:ext>
             </a:extLst>
           </p:cNvPr>
@@ -2062,7 +2062,7 @@
           <a:bodyPr/>
           <a:lstStyle/>
           <a:p>
-            <a:fld id="{D912843F-749A-4BF0-A544-7300DF6F68A5}" type="datetimeFigureOut">
+            <a:fld id="{3470BBF0-1F0C-4039-AD0E-8ADD9DFC983A}" type="datetimeFigureOut">
               <a:rPr lang="zh-CN" altLang="en-US" smtClean="0"/>
               <a:t>2024/3/10</a:t>
             </a:fld>
@@ -2075,7 +2075,7 @@
           <p:cNvPr id="3" name="页脚占位符 2">
             <a:extLst>
               <a:ext uri="{FF2B5EF4-FFF2-40B4-BE49-F238E27FC236}">
-                <a16:creationId xmlns:a16="http://schemas.microsoft.com/office/drawing/2014/main" id="{1BCF809E-7049-5ACF-62AD-85846F9A2898}"/>
+                <a16:creationId xmlns:a16="http://schemas.microsoft.com/office/drawing/2014/main" id="{8D0CFECF-5CF9-56E2-F8AF-B97A1B478AEC}"/>
               </a:ext>
             </a:extLst>
           </p:cNvPr>
@@ -2100,7 +2100,7 @@
           <p:cNvPr id="4" name="灯片编号占位符 3">
             <a:extLst>
               <a:ext uri="{FF2B5EF4-FFF2-40B4-BE49-F238E27FC236}">
-                <a16:creationId xmlns:a16="http://schemas.microsoft.com/office/drawing/2014/main" id="{6DEACEA6-2034-117A-9FE5-3EE4CC135813}"/>
+                <a16:creationId xmlns:a16="http://schemas.microsoft.com/office/drawing/2014/main" id="{FFC7805E-D2A1-D9E4-98EB-E3E94BB3F1B8}"/>
               </a:ext>
             </a:extLst>
           </p:cNvPr>
@@ -2116,7 +2116,7 @@
           <a:bodyPr/>
           <a:lstStyle/>
           <a:p>
-            <a:fld id="{32CFFEBB-7FCA-496F-9E99-D6D09C48045B}" type="slidenum">
+            <a:fld id="{FCE137B0-6C06-4661-B354-31B82F6F1278}" type="slidenum">
               <a:rPr lang="zh-CN" altLang="en-US" smtClean="0"/>
               <a:t>‹#›</a:t>
             </a:fld>
@@ -2127,7 +2127,7 @@
     </p:spTree>
     <p:extLst>
       <p:ext uri="{BB962C8B-B14F-4D97-AF65-F5344CB8AC3E}">
-        <p14:creationId xmlns:p14="http://schemas.microsoft.com/office/powerpoint/2010/main" val="780988975"/>
+        <p14:creationId xmlns:p14="http://schemas.microsoft.com/office/powerpoint/2010/main" val="705782938"/>
       </p:ext>
     </p:extLst>
   </p:cSld>
@@ -2159,7 +2159,7 @@
           <p:cNvPr id="2" name="标题 1">
             <a:extLst>
               <a:ext uri="{FF2B5EF4-FFF2-40B4-BE49-F238E27FC236}">
-                <a16:creationId xmlns:a16="http://schemas.microsoft.com/office/drawing/2014/main" id="{7EAEDC90-7D33-9B01-A1B7-8DB5F7D964FF}"/>
+                <a16:creationId xmlns:a16="http://schemas.microsoft.com/office/drawing/2014/main" id="{F38DA12E-E62E-9FEE-7BAE-056CA5682E75}"/>
               </a:ext>
             </a:extLst>
           </p:cNvPr>
@@ -2196,7 +2196,7 @@
           <p:cNvPr id="3" name="内容占位符 2">
             <a:extLst>
               <a:ext uri="{FF2B5EF4-FFF2-40B4-BE49-F238E27FC236}">
-                <a16:creationId xmlns:a16="http://schemas.microsoft.com/office/drawing/2014/main" id="{32BF74B8-1ED2-E000-BD8C-B557DAF89521}"/>
+                <a16:creationId xmlns:a16="http://schemas.microsoft.com/office/drawing/2014/main" id="{09041EC0-9F95-A1D6-3964-103C0508742A}"/>
               </a:ext>
             </a:extLst>
           </p:cNvPr>
@@ -2286,7 +2286,7 @@
           <p:cNvPr id="4" name="文本占位符 3">
             <a:extLst>
               <a:ext uri="{FF2B5EF4-FFF2-40B4-BE49-F238E27FC236}">
-                <a16:creationId xmlns:a16="http://schemas.microsoft.com/office/drawing/2014/main" id="{11991427-45C2-9614-20BF-D506AB9EA09E}"/>
+                <a16:creationId xmlns:a16="http://schemas.microsoft.com/office/drawing/2014/main" id="{BEDBB150-6846-1770-9060-EC56E08A5691}"/>
               </a:ext>
             </a:extLst>
           </p:cNvPr>
@@ -2357,7 +2357,7 @@
           <p:cNvPr id="5" name="日期占位符 4">
             <a:extLst>
               <a:ext uri="{FF2B5EF4-FFF2-40B4-BE49-F238E27FC236}">
-                <a16:creationId xmlns:a16="http://schemas.microsoft.com/office/drawing/2014/main" id="{432D0713-6575-5022-788C-09CDAFE34415}"/>
+                <a16:creationId xmlns:a16="http://schemas.microsoft.com/office/drawing/2014/main" id="{9B498557-6B4A-A543-7FE7-9E777FF890BF}"/>
               </a:ext>
             </a:extLst>
           </p:cNvPr>
@@ -2373,7 +2373,7 @@
           <a:bodyPr/>
           <a:lstStyle/>
           <a:p>
-            <a:fld id="{D912843F-749A-4BF0-A544-7300DF6F68A5}" type="datetimeFigureOut">
+            <a:fld id="{3470BBF0-1F0C-4039-AD0E-8ADD9DFC983A}" type="datetimeFigureOut">
               <a:rPr lang="zh-CN" altLang="en-US" smtClean="0"/>
               <a:t>2024/3/10</a:t>
             </a:fld>
@@ -2386,7 +2386,7 @@
           <p:cNvPr id="6" name="页脚占位符 5">
             <a:extLst>
               <a:ext uri="{FF2B5EF4-FFF2-40B4-BE49-F238E27FC236}">
-                <a16:creationId xmlns:a16="http://schemas.microsoft.com/office/drawing/2014/main" id="{84DE6A49-DF2F-F37D-B8C5-FCD6C2A7DF47}"/>
+                <a16:creationId xmlns:a16="http://schemas.microsoft.com/office/drawing/2014/main" id="{8B261B8C-5CEE-D8F0-ECDD-7966EDD4FC1F}"/>
               </a:ext>
             </a:extLst>
           </p:cNvPr>
@@ -2411,7 +2411,7 @@
           <p:cNvPr id="7" name="灯片编号占位符 6">
             <a:extLst>
               <a:ext uri="{FF2B5EF4-FFF2-40B4-BE49-F238E27FC236}">
-                <a16:creationId xmlns:a16="http://schemas.microsoft.com/office/drawing/2014/main" id="{59373C2B-91C1-6427-FF0F-14EBDD379A12}"/>
+                <a16:creationId xmlns:a16="http://schemas.microsoft.com/office/drawing/2014/main" id="{AB95724C-DD31-7033-79E1-400032449546}"/>
               </a:ext>
             </a:extLst>
           </p:cNvPr>
@@ -2427,7 +2427,7 @@
           <a:bodyPr/>
           <a:lstStyle/>
           <a:p>
-            <a:fld id="{32CFFEBB-7FCA-496F-9E99-D6D09C48045B}" type="slidenum">
+            <a:fld id="{FCE137B0-6C06-4661-B354-31B82F6F1278}" type="slidenum">
               <a:rPr lang="zh-CN" altLang="en-US" smtClean="0"/>
               <a:t>‹#›</a:t>
             </a:fld>
@@ -2438,7 +2438,7 @@
     </p:spTree>
     <p:extLst>
       <p:ext uri="{BB962C8B-B14F-4D97-AF65-F5344CB8AC3E}">
-        <p14:creationId xmlns:p14="http://schemas.microsoft.com/office/powerpoint/2010/main" val="573002007"/>
+        <p14:creationId xmlns:p14="http://schemas.microsoft.com/office/powerpoint/2010/main" val="1715428353"/>
       </p:ext>
     </p:extLst>
   </p:cSld>
@@ -2470,7 +2470,7 @@
           <p:cNvPr id="2" name="标题 1">
             <a:extLst>
               <a:ext uri="{FF2B5EF4-FFF2-40B4-BE49-F238E27FC236}">
-                <a16:creationId xmlns:a16="http://schemas.microsoft.com/office/drawing/2014/main" id="{07938B0C-0DBE-B716-FA77-769416FD530A}"/>
+                <a16:creationId xmlns:a16="http://schemas.microsoft.com/office/drawing/2014/main" id="{46977FF4-2CA5-46EA-01B7-FF0062D6B1A1}"/>
               </a:ext>
             </a:extLst>
           </p:cNvPr>
@@ -2507,7 +2507,7 @@
           <p:cNvPr id="3" name="图片占位符 2">
             <a:extLst>
               <a:ext uri="{FF2B5EF4-FFF2-40B4-BE49-F238E27FC236}">
-                <a16:creationId xmlns:a16="http://schemas.microsoft.com/office/drawing/2014/main" id="{02061CC2-A36C-1749-CCA5-17D6AA95B7EA}"/>
+                <a16:creationId xmlns:a16="http://schemas.microsoft.com/office/drawing/2014/main" id="{DB11ABB2-BF42-0A65-8B51-738BD90F8AF6}"/>
               </a:ext>
             </a:extLst>
           </p:cNvPr>
@@ -2574,7 +2574,7 @@
           <p:cNvPr id="4" name="文本占位符 3">
             <a:extLst>
               <a:ext uri="{FF2B5EF4-FFF2-40B4-BE49-F238E27FC236}">
-                <a16:creationId xmlns:a16="http://schemas.microsoft.com/office/drawing/2014/main" id="{78AE1890-52D6-2051-E08B-0999C737FED0}"/>
+                <a16:creationId xmlns:a16="http://schemas.microsoft.com/office/drawing/2014/main" id="{27F1FE6C-86A6-394F-736D-023F6B70E6F1}"/>
               </a:ext>
             </a:extLst>
           </p:cNvPr>
@@ -2645,7 +2645,7 @@
           <p:cNvPr id="5" name="日期占位符 4">
             <a:extLst>
               <a:ext uri="{FF2B5EF4-FFF2-40B4-BE49-F238E27FC236}">
-                <a16:creationId xmlns:a16="http://schemas.microsoft.com/office/drawing/2014/main" id="{49861970-D09E-A925-4A41-A8804990C2A8}"/>
+                <a16:creationId xmlns:a16="http://schemas.microsoft.com/office/drawing/2014/main" id="{C406DE0F-F7D8-6B66-2CD0-0A716EBAC908}"/>
               </a:ext>
             </a:extLst>
           </p:cNvPr>
@@ -2661,7 +2661,7 @@
           <a:bodyPr/>
           <a:lstStyle/>
           <a:p>
-            <a:fld id="{D912843F-749A-4BF0-A544-7300DF6F68A5}" type="datetimeFigureOut">
+            <a:fld id="{3470BBF0-1F0C-4039-AD0E-8ADD9DFC983A}" type="datetimeFigureOut">
               <a:rPr lang="zh-CN" altLang="en-US" smtClean="0"/>
               <a:t>2024/3/10</a:t>
             </a:fld>
@@ -2674,7 +2674,7 @@
           <p:cNvPr id="6" name="页脚占位符 5">
             <a:extLst>
               <a:ext uri="{FF2B5EF4-FFF2-40B4-BE49-F238E27FC236}">
-                <a16:creationId xmlns:a16="http://schemas.microsoft.com/office/drawing/2014/main" id="{B765DE92-AB9D-A1D5-C4EA-8D73866D3779}"/>
+                <a16:creationId xmlns:a16="http://schemas.microsoft.com/office/drawing/2014/main" id="{E1B54B18-EA02-90AD-44F2-AE48A0C4D4CB}"/>
               </a:ext>
             </a:extLst>
           </p:cNvPr>
@@ -2699,7 +2699,7 @@
           <p:cNvPr id="7" name="灯片编号占位符 6">
             <a:extLst>
               <a:ext uri="{FF2B5EF4-FFF2-40B4-BE49-F238E27FC236}">
-                <a16:creationId xmlns:a16="http://schemas.microsoft.com/office/drawing/2014/main" id="{2887DF38-42AD-7A68-AF6A-EE37291ED028}"/>
+                <a16:creationId xmlns:a16="http://schemas.microsoft.com/office/drawing/2014/main" id="{D0846F64-4653-C085-EAB3-4B06AC6F8245}"/>
               </a:ext>
             </a:extLst>
           </p:cNvPr>
@@ -2715,7 +2715,7 @@
           <a:bodyPr/>
           <a:lstStyle/>
           <a:p>
-            <a:fld id="{32CFFEBB-7FCA-496F-9E99-D6D09C48045B}" type="slidenum">
+            <a:fld id="{FCE137B0-6C06-4661-B354-31B82F6F1278}" type="slidenum">
               <a:rPr lang="zh-CN" altLang="en-US" smtClean="0"/>
               <a:t>‹#›</a:t>
             </a:fld>
@@ -2726,7 +2726,7 @@
     </p:spTree>
     <p:extLst>
       <p:ext uri="{BB962C8B-B14F-4D97-AF65-F5344CB8AC3E}">
-        <p14:creationId xmlns:p14="http://schemas.microsoft.com/office/powerpoint/2010/main" val="2100148228"/>
+        <p14:creationId xmlns:p14="http://schemas.microsoft.com/office/powerpoint/2010/main" val="1896431999"/>
       </p:ext>
     </p:extLst>
   </p:cSld>
@@ -2763,7 +2763,7 @@
           <p:cNvPr id="2" name="标题占位符 1">
             <a:extLst>
               <a:ext uri="{FF2B5EF4-FFF2-40B4-BE49-F238E27FC236}">
-                <a16:creationId xmlns:a16="http://schemas.microsoft.com/office/drawing/2014/main" id="{44E256E1-B1E2-91FE-5FE3-7AA554B9D578}"/>
+                <a16:creationId xmlns:a16="http://schemas.microsoft.com/office/drawing/2014/main" id="{45935059-D274-8FF3-6F16-5F21A0168A5C}"/>
               </a:ext>
             </a:extLst>
           </p:cNvPr>
@@ -2801,7 +2801,7 @@
           <p:cNvPr id="3" name="文本占位符 2">
             <a:extLst>
               <a:ext uri="{FF2B5EF4-FFF2-40B4-BE49-F238E27FC236}">
-                <a16:creationId xmlns:a16="http://schemas.microsoft.com/office/drawing/2014/main" id="{B1FA56A9-C9F6-8843-75AF-43679D4C15C6}"/>
+                <a16:creationId xmlns:a16="http://schemas.microsoft.com/office/drawing/2014/main" id="{F297D048-081D-83D7-89D7-084FDF66ACF8}"/>
               </a:ext>
             </a:extLst>
           </p:cNvPr>
@@ -2868,7 +2868,7 @@
           <p:cNvPr id="4" name="日期占位符 3">
             <a:extLst>
               <a:ext uri="{FF2B5EF4-FFF2-40B4-BE49-F238E27FC236}">
-                <a16:creationId xmlns:a16="http://schemas.microsoft.com/office/drawing/2014/main" id="{0031239C-B098-A699-52AF-028A6673F18F}"/>
+                <a16:creationId xmlns:a16="http://schemas.microsoft.com/office/drawing/2014/main" id="{F7C8C614-E2FC-29C1-396B-298BF7D72742}"/>
               </a:ext>
             </a:extLst>
           </p:cNvPr>
@@ -2902,7 +2902,7 @@
             </a:lvl1pPr>
           </a:lstStyle>
           <a:p>
-            <a:fld id="{D912843F-749A-4BF0-A544-7300DF6F68A5}" type="datetimeFigureOut">
+            <a:fld id="{3470BBF0-1F0C-4039-AD0E-8ADD9DFC983A}" type="datetimeFigureOut">
               <a:rPr lang="zh-CN" altLang="en-US" smtClean="0"/>
               <a:t>2024/3/10</a:t>
             </a:fld>
@@ -2915,7 +2915,7 @@
           <p:cNvPr id="5" name="页脚占位符 4">
             <a:extLst>
               <a:ext uri="{FF2B5EF4-FFF2-40B4-BE49-F238E27FC236}">
-                <a16:creationId xmlns:a16="http://schemas.microsoft.com/office/drawing/2014/main" id="{59E5ACE2-76AF-F3C9-06CE-944E4E76097C}"/>
+                <a16:creationId xmlns:a16="http://schemas.microsoft.com/office/drawing/2014/main" id="{5680ACBF-A556-9AD8-7C26-D65D531C89F8}"/>
               </a:ext>
             </a:extLst>
           </p:cNvPr>
@@ -2958,7 +2958,7 @@
           <p:cNvPr id="6" name="灯片编号占位符 5">
             <a:extLst>
               <a:ext uri="{FF2B5EF4-FFF2-40B4-BE49-F238E27FC236}">
-                <a16:creationId xmlns:a16="http://schemas.microsoft.com/office/drawing/2014/main" id="{476B3304-DDC8-A5BF-2687-D6395527E4C4}"/>
+                <a16:creationId xmlns:a16="http://schemas.microsoft.com/office/drawing/2014/main" id="{21354A42-AC6A-E874-8858-2DB5ECD3C7EB}"/>
               </a:ext>
             </a:extLst>
           </p:cNvPr>
@@ -2992,7 +2992,7 @@
             </a:lvl1pPr>
           </a:lstStyle>
           <a:p>
-            <a:fld id="{32CFFEBB-7FCA-496F-9E99-D6D09C48045B}" type="slidenum">
+            <a:fld id="{FCE137B0-6C06-4661-B354-31B82F6F1278}" type="slidenum">
               <a:rPr lang="zh-CN" altLang="en-US" smtClean="0"/>
               <a:t>‹#›</a:t>
             </a:fld>
@@ -3003,7 +3003,7 @@
     </p:spTree>
     <p:extLst>
       <p:ext uri="{BB962C8B-B14F-4D97-AF65-F5344CB8AC3E}">
-        <p14:creationId xmlns:p14="http://schemas.microsoft.com/office/powerpoint/2010/main" val="256649239"/>
+        <p14:creationId xmlns:p14="http://schemas.microsoft.com/office/powerpoint/2010/main" val="3402532913"/>
       </p:ext>
     </p:extLst>
   </p:cSld>
